--- a/img/Presentation1.pptx
+++ b/img/Presentation1.pptx
@@ -6,6 +6,7 @@
   </p:sldMasterIdLst>
   <p:sldIdLst>
     <p:sldId id="256" r:id="rId2"/>
+    <p:sldId id="257" r:id="rId3"/>
   </p:sldIdLst>
   <p:sldSz cx="12801600" cy="9601200" type="A3"/>
   <p:notesSz cx="6858000" cy="9144000"/>
@@ -243,7 +244,7 @@
           <a:p>
             <a:fld id="{F0B88B20-46CE-4817-8D6C-2C20A2CB17D5}" type="datetimeFigureOut">
               <a:rPr lang="en-US" smtClean="0"/>
-              <a:t>22/06/2023</a:t>
+              <a:t>25/06/2023</a:t>
             </a:fld>
             <a:endParaRPr lang="en-US"/>
           </a:p>
@@ -413,7 +414,7 @@
           <a:p>
             <a:fld id="{F0B88B20-46CE-4817-8D6C-2C20A2CB17D5}" type="datetimeFigureOut">
               <a:rPr lang="en-US" smtClean="0"/>
-              <a:t>22/06/2023</a:t>
+              <a:t>25/06/2023</a:t>
             </a:fld>
             <a:endParaRPr lang="en-US"/>
           </a:p>
@@ -593,7 +594,7 @@
           <a:p>
             <a:fld id="{F0B88B20-46CE-4817-8D6C-2C20A2CB17D5}" type="datetimeFigureOut">
               <a:rPr lang="en-US" smtClean="0"/>
-              <a:t>22/06/2023</a:t>
+              <a:t>25/06/2023</a:t>
             </a:fld>
             <a:endParaRPr lang="en-US"/>
           </a:p>
@@ -763,7 +764,7 @@
           <a:p>
             <a:fld id="{F0B88B20-46CE-4817-8D6C-2C20A2CB17D5}" type="datetimeFigureOut">
               <a:rPr lang="en-US" smtClean="0"/>
-              <a:t>22/06/2023</a:t>
+              <a:t>25/06/2023</a:t>
             </a:fld>
             <a:endParaRPr lang="en-US"/>
           </a:p>
@@ -1007,7 +1008,7 @@
           <a:p>
             <a:fld id="{F0B88B20-46CE-4817-8D6C-2C20A2CB17D5}" type="datetimeFigureOut">
               <a:rPr lang="en-US" smtClean="0"/>
-              <a:t>22/06/2023</a:t>
+              <a:t>25/06/2023</a:t>
             </a:fld>
             <a:endParaRPr lang="en-US"/>
           </a:p>
@@ -1239,7 +1240,7 @@
           <a:p>
             <a:fld id="{F0B88B20-46CE-4817-8D6C-2C20A2CB17D5}" type="datetimeFigureOut">
               <a:rPr lang="en-US" smtClean="0"/>
-              <a:t>22/06/2023</a:t>
+              <a:t>25/06/2023</a:t>
             </a:fld>
             <a:endParaRPr lang="en-US"/>
           </a:p>
@@ -1606,7 +1607,7 @@
           <a:p>
             <a:fld id="{F0B88B20-46CE-4817-8D6C-2C20A2CB17D5}" type="datetimeFigureOut">
               <a:rPr lang="en-US" smtClean="0"/>
-              <a:t>22/06/2023</a:t>
+              <a:t>25/06/2023</a:t>
             </a:fld>
             <a:endParaRPr lang="en-US"/>
           </a:p>
@@ -1724,7 +1725,7 @@
           <a:p>
             <a:fld id="{F0B88B20-46CE-4817-8D6C-2C20A2CB17D5}" type="datetimeFigureOut">
               <a:rPr lang="en-US" smtClean="0"/>
-              <a:t>22/06/2023</a:t>
+              <a:t>25/06/2023</a:t>
             </a:fld>
             <a:endParaRPr lang="en-US"/>
           </a:p>
@@ -1819,7 +1820,7 @@
           <a:p>
             <a:fld id="{F0B88B20-46CE-4817-8D6C-2C20A2CB17D5}" type="datetimeFigureOut">
               <a:rPr lang="en-US" smtClean="0"/>
-              <a:t>22/06/2023</a:t>
+              <a:t>25/06/2023</a:t>
             </a:fld>
             <a:endParaRPr lang="en-US"/>
           </a:p>
@@ -2096,7 +2097,7 @@
           <a:p>
             <a:fld id="{F0B88B20-46CE-4817-8D6C-2C20A2CB17D5}" type="datetimeFigureOut">
               <a:rPr lang="en-US" smtClean="0"/>
-              <a:t>22/06/2023</a:t>
+              <a:t>25/06/2023</a:t>
             </a:fld>
             <a:endParaRPr lang="en-US"/>
           </a:p>
@@ -2353,7 +2354,7 @@
           <a:p>
             <a:fld id="{F0B88B20-46CE-4817-8D6C-2C20A2CB17D5}" type="datetimeFigureOut">
               <a:rPr lang="en-US" smtClean="0"/>
-              <a:t>22/06/2023</a:t>
+              <a:t>25/06/2023</a:t>
             </a:fld>
             <a:endParaRPr lang="en-US"/>
           </a:p>
@@ -2566,7 +2567,7 @@
           <a:p>
             <a:fld id="{F0B88B20-46CE-4817-8D6C-2C20A2CB17D5}" type="datetimeFigureOut">
               <a:rPr lang="en-US" smtClean="0"/>
-              <a:t>22/06/2023</a:t>
+              <a:t>25/06/2023</a:t>
             </a:fld>
             <a:endParaRPr lang="en-US"/>
           </a:p>
@@ -3081,21 +3082,6 @@
               </a:rPr>
               <a:t>&gt;</a:t>
             </a:r>
-            <a:endParaRPr lang="en-US" sz="43365" b="1">
-              <a:ln w="0"/>
-              <a:solidFill>
-                <a:srgbClr val="4401ED"/>
-              </a:solidFill>
-              <a:effectLst>
-                <a:outerShdw blurRad="38100" dist="19050" dir="2700000" algn="tl" rotWithShape="0">
-                  <a:schemeClr val="dk1">
-                    <a:alpha val="40000"/>
-                  </a:schemeClr>
-                </a:outerShdw>
-              </a:effectLst>
-              <a:latin typeface="Bahnschrift SemiBold SemiConden" panose="020B0502040204020203" pitchFamily="34" charset="0"/>
-              <a:ea typeface="Yu Gothic UI" panose="020B0500000000000000" pitchFamily="34" charset="-128"/>
-            </a:endParaRPr>
           </a:p>
         </p:txBody>
       </p:sp>
@@ -3199,6 +3185,90 @@
     <p:extLst>
       <p:ext uri="{BB962C8B-B14F-4D97-AF65-F5344CB8AC3E}">
         <p14:creationId xmlns:p14="http://schemas.microsoft.com/office/powerpoint/2010/main" val="1334432601"/>
+      </p:ext>
+    </p:extLst>
+  </p:cSld>
+  <p:clrMapOvr>
+    <a:masterClrMapping/>
+  </p:clrMapOvr>
+  <p:timing>
+    <p:tnLst>
+      <p:par>
+        <p:cTn id="1" dur="indefinite" restart="never" nodeType="tmRoot"/>
+      </p:par>
+    </p:tnLst>
+  </p:timing>
+</p:sld>
+</file>
+
+<file path=ppt/slides/slide2.xml><?xml version="1.0" encoding="utf-8"?>
+<p:sld xmlns:a="http://schemas.openxmlformats.org/drawingml/2006/main" xmlns:r="http://schemas.openxmlformats.org/officeDocument/2006/relationships" xmlns:p="http://schemas.openxmlformats.org/presentationml/2006/main">
+  <p:cSld>
+    <p:spTree>
+      <p:nvGrpSpPr>
+        <p:cNvPr id="1" name=""/>
+        <p:cNvGrpSpPr/>
+        <p:nvPr/>
+      </p:nvGrpSpPr>
+      <p:grpSpPr>
+        <a:xfrm>
+          <a:off x="0" y="0"/>
+          <a:ext cx="0" cy="0"/>
+          <a:chOff x="0" y="0"/>
+          <a:chExt cx="0" cy="0"/>
+        </a:xfrm>
+      </p:grpSpPr>
+      <p:sp>
+        <p:nvSpPr>
+          <p:cNvPr id="2" name="Title 1"/>
+          <p:cNvSpPr>
+            <a:spLocks noGrp="1"/>
+          </p:cNvSpPr>
+          <p:nvPr>
+            <p:ph type="title"/>
+          </p:nvPr>
+        </p:nvSpPr>
+        <p:spPr/>
+        <p:txBody>
+          <a:bodyPr/>
+          <a:lstStyle/>
+          <a:p>
+            <a:endParaRPr lang="en-US"/>
+          </a:p>
+        </p:txBody>
+      </p:sp>
+      <p:pic>
+        <p:nvPicPr>
+          <p:cNvPr id="4" name="Content Placeholder 3"/>
+          <p:cNvPicPr>
+            <a:picLocks noGrp="1" noChangeAspect="1"/>
+          </p:cNvPicPr>
+          <p:nvPr>
+            <p:ph idx="1"/>
+          </p:nvPr>
+        </p:nvPicPr>
+        <p:blipFill rotWithShape="1">
+          <a:blip r:embed="rId2">
+            <a:extLst>
+              <a:ext uri="{28A0092B-C50C-407E-A947-70E740481C1C}">
+                <a14:useLocalDpi xmlns:a14="http://schemas.microsoft.com/office/drawing/2010/main" val="0"/>
+              </a:ext>
+            </a:extLst>
+          </a:blip>
+          <a:srcRect l="1639" t="6433" r="2330" b="4880"/>
+          <a:stretch/>
+        </p:blipFill>
+        <p:spPr>
+          <a:xfrm>
+            <a:off x="2189747" y="2947737"/>
+            <a:ext cx="8361948" cy="5402179"/>
+          </a:xfrm>
+        </p:spPr>
+      </p:pic>
+    </p:spTree>
+    <p:extLst>
+      <p:ext uri="{BB962C8B-B14F-4D97-AF65-F5344CB8AC3E}">
+        <p14:creationId xmlns:p14="http://schemas.microsoft.com/office/powerpoint/2010/main" val="4153031149"/>
       </p:ext>
     </p:extLst>
   </p:cSld>
